--- a/courses/theory/slides/lec18-hoare.pptx
+++ b/courses/theory/slides/lec18-hoare.pptx
@@ -9146,10 +9146,18 @@
               <a:defRPr/>
             </a:pPr>
             <a:r>
-              <a:rPr kumimoji="1" lang="en-US" altLang="zh-CN" sz="2400" dirty="0"/>
+              <a:rPr kumimoji="1" lang="en-US" altLang="zh-CN" sz="2400" dirty="0">
+                <a:solidFill>
+                  <a:schemeClr val="tx1"/>
+                </a:solidFill>
+              </a:rPr>
               <a:t>Logic</a:t>
             </a:r>
-            <a:endParaRPr kumimoji="1" lang="zh-CN" altLang="en-US" sz="2400" dirty="0"/>
+            <a:endParaRPr kumimoji="1" lang="zh-CN" altLang="en-US" sz="2400" dirty="0">
+              <a:solidFill>
+                <a:schemeClr val="tx1"/>
+              </a:solidFill>
+            </a:endParaRPr>
           </a:p>
         </p:txBody>
       </p:sp>
@@ -9198,10 +9206,18 @@
               <a:defRPr/>
             </a:pPr>
             <a:r>
-              <a:rPr kumimoji="1" lang="en-US" altLang="zh-CN" sz="2400" dirty="0"/>
+              <a:rPr kumimoji="1" lang="en-US" altLang="zh-CN" sz="2400" dirty="0">
+                <a:solidFill>
+                  <a:schemeClr val="tx1"/>
+                </a:solidFill>
+              </a:rPr>
               <a:t>Programs</a:t>
             </a:r>
-            <a:endParaRPr kumimoji="1" lang="zh-CN" altLang="en-US" sz="2400" dirty="0"/>
+            <a:endParaRPr kumimoji="1" lang="zh-CN" altLang="en-US" sz="2400" dirty="0">
+              <a:solidFill>
+                <a:schemeClr val="tx1"/>
+              </a:solidFill>
+            </a:endParaRPr>
           </a:p>
         </p:txBody>
       </p:sp>
@@ -9250,7 +9266,11 @@
               <a:defRPr/>
             </a:pPr>
             <a:r>
-              <a:rPr kumimoji="1" lang="en-US" altLang="zh-CN" sz="2400" dirty="0"/>
+              <a:rPr kumimoji="1" lang="en-US" altLang="zh-CN" sz="2400" dirty="0">
+                <a:solidFill>
+                  <a:schemeClr val="tx1"/>
+                </a:solidFill>
+              </a:rPr>
               <a:t>prover/</a:t>
             </a:r>
           </a:p>
@@ -9259,10 +9279,18 @@
               <a:defRPr/>
             </a:pPr>
             <a:r>
-              <a:rPr kumimoji="1" lang="en-US" altLang="zh-CN" sz="2400" dirty="0"/>
+              <a:rPr kumimoji="1" lang="en-US" altLang="zh-CN" sz="2400" dirty="0">
+                <a:solidFill>
+                  <a:schemeClr val="tx1"/>
+                </a:solidFill>
+              </a:rPr>
               <a:t>solver</a:t>
             </a:r>
-            <a:endParaRPr kumimoji="1" lang="zh-CN" altLang="en-US" sz="2400" dirty="0"/>
+            <a:endParaRPr kumimoji="1" lang="zh-CN" altLang="en-US" sz="2400" dirty="0">
+              <a:solidFill>
+                <a:schemeClr val="tx1"/>
+              </a:solidFill>
+            </a:endParaRPr>
           </a:p>
         </p:txBody>
       </p:sp>
@@ -21517,8 +21545,8 @@
           </p:sp>
         </mc:Fallback>
       </mc:AlternateContent>
-      <mc:AlternateContent xmlns:mc="http://schemas.openxmlformats.org/markup-compatibility/2006">
-        <mc:Choice xmlns:a14="http://schemas.microsoft.com/office/drawing/2010/main" Requires="a14">
+      <mc:AlternateContent xmlns:mc="http://schemas.openxmlformats.org/markup-compatibility/2006" xmlns:a14="http://schemas.microsoft.com/office/drawing/2010/main">
+        <mc:Choice Requires="a14">
           <p:sp>
             <p:nvSpPr>
               <p:cNvPr id="27" name="文本框 26">
@@ -21750,14 +21778,7 @@
                               <a:latin typeface="Cambria Math" panose="02040503050406030204" pitchFamily="18" charset="0"/>
                               <a:ea typeface="Cambria Math" panose="02040503050406030204" pitchFamily="18" charset="0"/>
                             </a:rPr>
-                            <m:t>≥</m:t>
-                          </m:r>
-                          <m:r>
-                            <a:rPr kumimoji="1" lang="en-US" altLang="zh-CN" sz="2400" b="0" i="1" smtClean="0">
-                              <a:latin typeface="Cambria Math" panose="02040503050406030204" pitchFamily="18" charset="0"/>
-                              <a:ea typeface="Cambria Math" panose="02040503050406030204" pitchFamily="18" charset="0"/>
-                            </a:rPr>
-                            <m:t>4</m:t>
+                            <m:t>≥4</m:t>
                           </m:r>
                         </m:e>
                       </m:d>
@@ -21825,7 +21846,7 @@
             </p:txBody>
           </p:sp>
         </mc:Choice>
-        <mc:Fallback>
+        <mc:Fallback xmlns="">
           <p:sp>
             <p:nvSpPr>
               <p:cNvPr id="27" name="文本框 26">
@@ -21870,8 +21891,8 @@
           </p:sp>
         </mc:Fallback>
       </mc:AlternateContent>
-      <mc:AlternateContent xmlns:mc="http://schemas.openxmlformats.org/markup-compatibility/2006">
-        <mc:Choice xmlns:a14="http://schemas.microsoft.com/office/drawing/2010/main" Requires="a14">
+      <mc:AlternateContent xmlns:mc="http://schemas.openxmlformats.org/markup-compatibility/2006" xmlns:a14="http://schemas.microsoft.com/office/drawing/2010/main">
+        <mc:Choice Requires="a14">
           <p:sp>
             <p:nvSpPr>
               <p:cNvPr id="28" name="文本框 27">
@@ -22049,7 +22070,7 @@
             </p:txBody>
           </p:sp>
         </mc:Choice>
-        <mc:Fallback>
+        <mc:Fallback xmlns="">
           <p:sp>
             <p:nvSpPr>
               <p:cNvPr id="28" name="文本框 27">
@@ -22094,8 +22115,8 @@
           </p:sp>
         </mc:Fallback>
       </mc:AlternateContent>
-      <mc:AlternateContent xmlns:mc="http://schemas.openxmlformats.org/markup-compatibility/2006">
-        <mc:Choice xmlns:a14="http://schemas.microsoft.com/office/drawing/2010/main" Requires="a14">
+      <mc:AlternateContent xmlns:mc="http://schemas.openxmlformats.org/markup-compatibility/2006" xmlns:a14="http://schemas.microsoft.com/office/drawing/2010/main">
+        <mc:Choice Requires="a14">
           <p:sp>
             <p:nvSpPr>
               <p:cNvPr id="29" name="文本框 28">
@@ -22239,7 +22260,7 @@
             </p:txBody>
           </p:sp>
         </mc:Choice>
-        <mc:Fallback>
+        <mc:Fallback xmlns="">
           <p:sp>
             <p:nvSpPr>
               <p:cNvPr id="29" name="文本框 28">
@@ -23097,8 +23118,8 @@
           </p:sp>
         </mc:Fallback>
       </mc:AlternateContent>
-      <mc:AlternateContent xmlns:mc="http://schemas.openxmlformats.org/markup-compatibility/2006">
-        <mc:Choice xmlns:a14="http://schemas.microsoft.com/office/drawing/2010/main" Requires="a14">
+      <mc:AlternateContent xmlns:mc="http://schemas.openxmlformats.org/markup-compatibility/2006" xmlns:a14="http://schemas.microsoft.com/office/drawing/2010/main">
+        <mc:Choice Requires="a14">
           <p:sp>
             <p:nvSpPr>
               <p:cNvPr id="27" name="文本框 26">
@@ -23458,7 +23479,7 @@
             </p:txBody>
           </p:sp>
         </mc:Choice>
-        <mc:Fallback>
+        <mc:Fallback xmlns="">
           <p:sp>
             <p:nvSpPr>
               <p:cNvPr id="27" name="文本框 26">
@@ -24237,8 +24258,8 @@
           </p:sp>
         </mc:Fallback>
       </mc:AlternateContent>
-      <mc:AlternateContent xmlns:mc="http://schemas.openxmlformats.org/markup-compatibility/2006">
-        <mc:Choice xmlns:a14="http://schemas.microsoft.com/office/drawing/2010/main" Requires="a14">
+      <mc:AlternateContent xmlns:mc="http://schemas.openxmlformats.org/markup-compatibility/2006" xmlns:a14="http://schemas.microsoft.com/office/drawing/2010/main">
+        <mc:Choice Requires="a14">
           <p:sp>
             <p:nvSpPr>
               <p:cNvPr id="27" name="文本框 26">
@@ -24748,13 +24769,12 @@
                 <a:endParaRPr kumimoji="1" lang="en-US" altLang="zh-CN" sz="2400" dirty="0"/>
               </a:p>
               <a:p>
-                <a:pPr/>
                 <a:endParaRPr kumimoji="1" lang="en-US" altLang="zh-CN" sz="2400" dirty="0"/>
               </a:p>
             </p:txBody>
           </p:sp>
         </mc:Choice>
-        <mc:Fallback>
+        <mc:Fallback xmlns="">
           <p:sp>
             <p:nvSpPr>
               <p:cNvPr id="27" name="文本框 26">
@@ -35114,8 +35134,16 @@
           <a:p>
             <a:pPr lvl="1"/>
             <a:r>
+              <a:rPr kumimoji="1" lang="en-US" altLang="zh-CN" dirty="0">
+                <a:solidFill>
+                  <a:srgbClr val="0432FF"/>
+                </a:solidFill>
+              </a:rPr>
+              <a:t>Dafny (C#)</a:t>
+            </a:r>
+            <a:r>
               <a:rPr kumimoji="1" lang="en-US" altLang="zh-CN" dirty="0"/>
-              <a:t>Dafny (C#), Boogie (</a:t>
+              <a:t>, Boogie (</a:t>
             </a:r>
             <a:r>
               <a:rPr kumimoji="1" lang="en-US" altLang="zh-CN" dirty="0" err="1"/>
